--- a/project_1/ethan-project1-presentation.pptx
+++ b/project_1/ethan-project1-presentation.pptx
@@ -206,7 +206,7 @@
           <a:p>
             <a:fld id="{473599EA-9C3A-F142-991E-645E329D7D9F}" type="datetimeFigureOut">
               <a:rPr lang="en-US" smtClean="0"/>
-              <a:t>9/1/21</a:t>
+              <a:t>9/2/21</a:t>
             </a:fld>
             <a:endParaRPr lang="en-US"/>
           </a:p>
@@ -956,7 +956,7 @@
           <a:p>
             <a:fld id="{C6173FE2-4BAA-B447-ADBD-C298989A49B8}" type="datetimeFigureOut">
               <a:rPr lang="en-US" smtClean="0"/>
-              <a:t>9/1/21</a:t>
+              <a:t>9/2/21</a:t>
             </a:fld>
             <a:endParaRPr lang="en-US"/>
           </a:p>
@@ -1154,7 +1154,7 @@
           <a:p>
             <a:fld id="{C6173FE2-4BAA-B447-ADBD-C298989A49B8}" type="datetimeFigureOut">
               <a:rPr lang="en-US" smtClean="0"/>
-              <a:t>9/1/21</a:t>
+              <a:t>9/2/21</a:t>
             </a:fld>
             <a:endParaRPr lang="en-US"/>
           </a:p>
@@ -1362,7 +1362,7 @@
           <a:p>
             <a:fld id="{C6173FE2-4BAA-B447-ADBD-C298989A49B8}" type="datetimeFigureOut">
               <a:rPr lang="en-US" smtClean="0"/>
-              <a:t>9/1/21</a:t>
+              <a:t>9/2/21</a:t>
             </a:fld>
             <a:endParaRPr lang="en-US"/>
           </a:p>
@@ -1560,7 +1560,7 @@
           <a:p>
             <a:fld id="{C6173FE2-4BAA-B447-ADBD-C298989A49B8}" type="datetimeFigureOut">
               <a:rPr lang="en-US" smtClean="0"/>
-              <a:t>9/1/21</a:t>
+              <a:t>9/2/21</a:t>
             </a:fld>
             <a:endParaRPr lang="en-US"/>
           </a:p>
@@ -1835,7 +1835,7 @@
           <a:p>
             <a:fld id="{C6173FE2-4BAA-B447-ADBD-C298989A49B8}" type="datetimeFigureOut">
               <a:rPr lang="en-US" smtClean="0"/>
-              <a:t>9/1/21</a:t>
+              <a:t>9/2/21</a:t>
             </a:fld>
             <a:endParaRPr lang="en-US"/>
           </a:p>
@@ -2100,7 +2100,7 @@
           <a:p>
             <a:fld id="{C6173FE2-4BAA-B447-ADBD-C298989A49B8}" type="datetimeFigureOut">
               <a:rPr lang="en-US" smtClean="0"/>
-              <a:t>9/1/21</a:t>
+              <a:t>9/2/21</a:t>
             </a:fld>
             <a:endParaRPr lang="en-US"/>
           </a:p>
@@ -2512,7 +2512,7 @@
           <a:p>
             <a:fld id="{C6173FE2-4BAA-B447-ADBD-C298989A49B8}" type="datetimeFigureOut">
               <a:rPr lang="en-US" smtClean="0"/>
-              <a:t>9/1/21</a:t>
+              <a:t>9/2/21</a:t>
             </a:fld>
             <a:endParaRPr lang="en-US"/>
           </a:p>
@@ -2653,7 +2653,7 @@
           <a:p>
             <a:fld id="{C6173FE2-4BAA-B447-ADBD-C298989A49B8}" type="datetimeFigureOut">
               <a:rPr lang="en-US" smtClean="0"/>
-              <a:t>9/1/21</a:t>
+              <a:t>9/2/21</a:t>
             </a:fld>
             <a:endParaRPr lang="en-US"/>
           </a:p>
@@ -2766,7 +2766,7 @@
           <a:p>
             <a:fld id="{C6173FE2-4BAA-B447-ADBD-C298989A49B8}" type="datetimeFigureOut">
               <a:rPr lang="en-US" smtClean="0"/>
-              <a:t>9/1/21</a:t>
+              <a:t>9/2/21</a:t>
             </a:fld>
             <a:endParaRPr lang="en-US"/>
           </a:p>
@@ -3077,7 +3077,7 @@
           <a:p>
             <a:fld id="{C6173FE2-4BAA-B447-ADBD-C298989A49B8}" type="datetimeFigureOut">
               <a:rPr lang="en-US" smtClean="0"/>
-              <a:t>9/1/21</a:t>
+              <a:t>9/2/21</a:t>
             </a:fld>
             <a:endParaRPr lang="en-US"/>
           </a:p>
@@ -3365,7 +3365,7 @@
           <a:p>
             <a:fld id="{C6173FE2-4BAA-B447-ADBD-C298989A49B8}" type="datetimeFigureOut">
               <a:rPr lang="en-US" smtClean="0"/>
-              <a:t>9/1/21</a:t>
+              <a:t>9/2/21</a:t>
             </a:fld>
             <a:endParaRPr lang="en-US"/>
           </a:p>
@@ -3606,7 +3606,7 @@
           <a:p>
             <a:fld id="{C6173FE2-4BAA-B447-ADBD-C298989A49B8}" type="datetimeFigureOut">
               <a:rPr lang="en-US" smtClean="0"/>
-              <a:t>9/1/21</a:t>
+              <a:t>9/2/21</a:t>
             </a:fld>
             <a:endParaRPr lang="en-US"/>
           </a:p>
@@ -4031,12 +4031,41 @@
           <a:chExt cx="0" cy="0"/>
         </a:xfrm>
       </p:grpSpPr>
-      <p:sp useBgFill="1">
-        <p:nvSpPr>
-          <p:cNvPr id="8" name="Rectangle 7">
-            <a:extLst>
-              <a:ext uri="{FF2B5EF4-FFF2-40B4-BE49-F238E27FC236}">
-                <a16:creationId xmlns:a16="http://schemas.microsoft.com/office/drawing/2014/main" id="{B26EE4FD-480F-42A5-9FEB-DA630457CFB7}"/>
+      <p:pic>
+        <p:nvPicPr>
+          <p:cNvPr id="18" name="Picture 17" descr="Rolls of blueprints">
+            <a:extLst>
+              <a:ext uri="{FF2B5EF4-FFF2-40B4-BE49-F238E27FC236}">
+                <a16:creationId xmlns:a16="http://schemas.microsoft.com/office/drawing/2014/main" id="{01AE195C-512D-40C8-9642-31CC8BC17122}"/>
+              </a:ext>
+            </a:extLst>
+          </p:cNvPr>
+          <p:cNvPicPr>
+            <a:picLocks noChangeAspect="1"/>
+          </p:cNvPicPr>
+          <p:nvPr/>
+        </p:nvPicPr>
+        <p:blipFill rotWithShape="1">
+          <a:blip r:embed="rId2"/>
+          <a:srcRect t="1299" b="14431"/>
+          <a:stretch/>
+        </p:blipFill>
+        <p:spPr>
+          <a:xfrm>
+            <a:off x="20" y="10"/>
+            <a:ext cx="12191980" cy="6857990"/>
+          </a:xfrm>
+          <a:prstGeom prst="rect">
+            <a:avLst/>
+          </a:prstGeom>
+        </p:spPr>
+      </p:pic>
+      <p:sp>
+        <p:nvSpPr>
+          <p:cNvPr id="22" name="Freeform 5">
+            <a:extLst>
+              <a:ext uri="{FF2B5EF4-FFF2-40B4-BE49-F238E27FC236}">
+                <a16:creationId xmlns:a16="http://schemas.microsoft.com/office/drawing/2014/main" id="{87CC2527-562A-4F69-B487-4371E5B243E7}"/>
               </a:ext>
               <a:ext uri="{C183D7F6-B498-43B3-948B-1728B52AA6E4}">
                 <adec:decorative xmlns:adec="http://schemas.microsoft.com/office/drawing/2017/decorative" val="1"/>
@@ -4054,84 +4083,28 @@
             </p:extLst>
           </p:nvPr>
         </p:nvSpPr>
-        <p:spPr>
+        <p:spPr bwMode="grayWhite">
           <a:xfrm>
-            <a:off x="0" y="0"/>
-            <a:ext cx="12188952" cy="6858000"/>
-          </a:xfrm>
-          <a:prstGeom prst="rect">
-            <a:avLst/>
-          </a:prstGeom>
-          <a:ln>
-            <a:noFill/>
-          </a:ln>
-        </p:spPr>
-        <p:style>
-          <a:lnRef idx="2">
-            <a:schemeClr val="accent1">
-              <a:shade val="50000"/>
-            </a:schemeClr>
-          </a:lnRef>
-          <a:fillRef idx="1">
-            <a:schemeClr val="accent1"/>
-          </a:fillRef>
-          <a:effectRef idx="0">
-            <a:schemeClr val="accent1"/>
-          </a:effectRef>
-          <a:fontRef idx="minor">
-            <a:schemeClr val="lt1"/>
-          </a:fontRef>
-        </p:style>
-        <p:txBody>
-          <a:bodyPr rtlCol="0" anchor="ctr"/>
-          <a:lstStyle/>
-          <a:p>
-            <a:pPr algn="ctr"/>
-            <a:endParaRPr lang="en-US"/>
-          </a:p>
-        </p:txBody>
-      </p:sp>
-      <p:sp>
-        <p:nvSpPr>
-          <p:cNvPr id="10" name="Freeform 5">
-            <a:extLst>
-              <a:ext uri="{FF2B5EF4-FFF2-40B4-BE49-F238E27FC236}">
-                <a16:creationId xmlns:a16="http://schemas.microsoft.com/office/drawing/2014/main" id="{A187062F-BE14-42FC-B06A-607DB23849C3}"/>
-              </a:ext>
-              <a:ext uri="{C183D7F6-B498-43B3-948B-1728B52AA6E4}">
-                <adec:decorative xmlns:adec="http://schemas.microsoft.com/office/drawing/2017/decorative" val="1"/>
-              </a:ext>
-            </a:extLst>
-          </p:cNvPr>
-          <p:cNvSpPr>
-            <a:spLocks noGrp="1" noRot="1" noChangeAspect="1" noMove="1" noResize="1" noEditPoints="1" noAdjustHandles="1" noChangeArrowheads="1" noChangeShapeType="1" noTextEdit="1"/>
-          </p:cNvSpPr>
-          <p:nvPr>
-            <p:extLst>
-              <p:ext uri="{386F3935-93C4-4BCD-93E2-E3B085C9AB24}">
-                <p16:designElem xmlns:p16="http://schemas.microsoft.com/office/powerpoint/2015/main" val="1"/>
-              </p:ext>
-            </p:extLst>
-          </p:nvPr>
-        </p:nvSpPr>
-        <p:spPr bwMode="auto">
-          <a:xfrm flipH="1">
-            <a:off x="842688" y="1766812"/>
-            <a:ext cx="822493" cy="4232692"/>
+            <a:off x="7488621" y="2277613"/>
+            <a:ext cx="4703379" cy="4580387"/>
           </a:xfrm>
           <a:custGeom>
             <a:avLst/>
             <a:gdLst>
-              <a:gd name="T0" fmla="*/ 491 w 491"/>
-              <a:gd name="T1" fmla="*/ 2247 h 2732"/>
-              <a:gd name="T2" fmla="*/ 0 w 491"/>
-              <a:gd name="T3" fmla="*/ 2732 h 2732"/>
-              <a:gd name="T4" fmla="*/ 0 w 491"/>
-              <a:gd name="T5" fmla="*/ 486 h 2732"/>
-              <a:gd name="T6" fmla="*/ 491 w 491"/>
-              <a:gd name="T7" fmla="*/ 0 h 2732"/>
-              <a:gd name="T8" fmla="*/ 491 w 491"/>
-              <a:gd name="T9" fmla="*/ 2247 h 2732"/>
+              <a:gd name="T0" fmla="*/ 1333 w 1333"/>
+              <a:gd name="T1" fmla="*/ 1031 h 1298"/>
+              <a:gd name="T2" fmla="*/ 1333 w 1333"/>
+              <a:gd name="T3" fmla="*/ 380 h 1298"/>
+              <a:gd name="T4" fmla="*/ 706 w 1333"/>
+              <a:gd name="T5" fmla="*/ 0 h 1298"/>
+              <a:gd name="T6" fmla="*/ 0 w 1333"/>
+              <a:gd name="T7" fmla="*/ 706 h 1298"/>
+              <a:gd name="T8" fmla="*/ 323 w 1333"/>
+              <a:gd name="T9" fmla="*/ 1298 h 1298"/>
+              <a:gd name="T10" fmla="*/ 1090 w 1333"/>
+              <a:gd name="T11" fmla="*/ 1298 h 1298"/>
+              <a:gd name="T12" fmla="*/ 1333 w 1333"/>
+              <a:gd name="T13" fmla="*/ 1031 h 1298"/>
             </a:gdLst>
             <a:ahLst/>
             <a:cxnLst>
@@ -4150,65 +4123,181 @@
               <a:cxn ang="0">
                 <a:pos x="T8" y="T9"/>
               </a:cxn>
+              <a:cxn ang="0">
+                <a:pos x="T10" y="T11"/>
+              </a:cxn>
+              <a:cxn ang="0">
+                <a:pos x="T12" y="T13"/>
+              </a:cxn>
             </a:cxnLst>
             <a:rect l="0" t="0" r="r" b="b"/>
             <a:pathLst>
-              <a:path w="491" h="2732">
+              <a:path w="1333" h="1298">
                 <a:moveTo>
-                  <a:pt x="491" y="2247"/>
+                  <a:pt x="1333" y="1031"/>
                 </a:moveTo>
-                <a:lnTo>
-                  <a:pt x="0" y="2732"/>
-                </a:lnTo>
-                <a:lnTo>
-                  <a:pt x="0" y="486"/>
-                </a:lnTo>
-                <a:lnTo>
-                  <a:pt x="491" y="0"/>
-                </a:lnTo>
-                <a:lnTo>
-                  <a:pt x="491" y="2247"/>
-                </a:lnTo>
+                <a:cubicBezTo>
+                  <a:pt x="1333" y="380"/>
+                  <a:pt x="1333" y="380"/>
+                  <a:pt x="1333" y="380"/>
+                </a:cubicBezTo>
+                <a:cubicBezTo>
+                  <a:pt x="1215" y="154"/>
+                  <a:pt x="979" y="0"/>
+                  <a:pt x="706" y="0"/>
+                </a:cubicBezTo>
+                <a:cubicBezTo>
+                  <a:pt x="317" y="0"/>
+                  <a:pt x="0" y="316"/>
+                  <a:pt x="0" y="706"/>
+                </a:cubicBezTo>
+                <a:cubicBezTo>
+                  <a:pt x="0" y="954"/>
+                  <a:pt x="129" y="1172"/>
+                  <a:pt x="323" y="1298"/>
+                </a:cubicBezTo>
+                <a:cubicBezTo>
+                  <a:pt x="1090" y="1298"/>
+                  <a:pt x="1090" y="1298"/>
+                  <a:pt x="1090" y="1298"/>
+                </a:cubicBezTo>
+                <a:cubicBezTo>
+                  <a:pt x="1193" y="1232"/>
+                  <a:pt x="1276" y="1140"/>
+                  <a:pt x="1333" y="1031"/>
+                </a:cubicBezTo>
                 <a:close/>
               </a:path>
             </a:pathLst>
           </a:custGeom>
           <a:solidFill>
-            <a:schemeClr val="accent1">
-              <a:lumMod val="50000"/>
+            <a:schemeClr val="bg1">
+              <a:alpha val="70000"/>
             </a:schemeClr>
           </a:solidFill>
-          <a:ln>
+          <a:ln w="50800" cap="sq" cmpd="dbl">
             <a:noFill/>
+            <a:miter lim="800000"/>
           </a:ln>
+          <a:effectLst/>
         </p:spPr>
         <p:txBody>
-          <a:bodyPr vert="horz" wrap="square" lIns="91440" tIns="45720" rIns="91440" bIns="45720" numCol="1" anchor="t" anchorCtr="0" compatLnSpc="1">
-            <a:prstTxWarp prst="textNoShape">
-              <a:avLst/>
-            </a:prstTxWarp>
+          <a:bodyPr vert="horz" lIns="91440" tIns="45720" rIns="91440" bIns="45720" rtlCol="0" anchor="t">
+            <a:normAutofit/>
           </a:bodyPr>
           <a:lstStyle/>
           <a:p>
-            <a:endParaRPr lang="en-US"/>
-          </a:p>
-        </p:txBody>
-      </p:sp>
-      <p:sp>
-        <p:nvSpPr>
-          <p:cNvPr id="12" name="Freeform 6">
-            <a:extLst>
-              <a:ext uri="{FF2B5EF4-FFF2-40B4-BE49-F238E27FC236}">
-                <a16:creationId xmlns:a16="http://schemas.microsoft.com/office/drawing/2014/main" id="{731FE21B-2A45-4BF5-8B03-E12341988774}"/>
+            <a:pPr algn="ctr">
+              <a:spcAft>
+                <a:spcPts val="1000"/>
+              </a:spcAft>
+              <a:buClr>
+                <a:schemeClr val="tx1"/>
+              </a:buClr>
+              <a:buSzPct val="100000"/>
+              <a:buFont typeface="Arial"/>
+              <a:buNone/>
+            </a:pPr>
+            <a:endParaRPr lang="en-US" sz="1600" cap="all"/>
+          </a:p>
+        </p:txBody>
+      </p:sp>
+      <p:sp>
+        <p:nvSpPr>
+          <p:cNvPr id="2" name="Title 1">
+            <a:extLst>
+              <a:ext uri="{FF2B5EF4-FFF2-40B4-BE49-F238E27FC236}">
+                <a16:creationId xmlns:a16="http://schemas.microsoft.com/office/drawing/2014/main" id="{31718418-9B96-C646-B7EC-3DC62285B945}"/>
+              </a:ext>
+            </a:extLst>
+          </p:cNvPr>
+          <p:cNvSpPr>
+            <a:spLocks noGrp="1"/>
+          </p:cNvSpPr>
+          <p:nvPr>
+            <p:ph type="ctrTitle"/>
+          </p:nvPr>
+        </p:nvSpPr>
+        <p:spPr>
+          <a:xfrm>
+            <a:off x="8022021" y="3231931"/>
+            <a:ext cx="3852041" cy="1834056"/>
+          </a:xfrm>
+        </p:spPr>
+        <p:txBody>
+          <a:bodyPr>
+            <a:normAutofit/>
+          </a:bodyPr>
+          <a:lstStyle/>
+          <a:p>
+            <a:r>
+              <a:rPr lang="en-US" sz="4000" dirty="0"/>
+              <a:t>Race and Standardized Tests</a:t>
+            </a:r>
+          </a:p>
+        </p:txBody>
+      </p:sp>
+      <p:sp>
+        <p:nvSpPr>
+          <p:cNvPr id="3" name="Subtitle 2">
+            <a:extLst>
+              <a:ext uri="{FF2B5EF4-FFF2-40B4-BE49-F238E27FC236}">
+                <a16:creationId xmlns:a16="http://schemas.microsoft.com/office/drawing/2014/main" id="{E5CFA6EB-E939-A047-847F-D4794091D472}"/>
+              </a:ext>
+            </a:extLst>
+          </p:cNvPr>
+          <p:cNvSpPr>
+            <a:spLocks noGrp="1"/>
+          </p:cNvSpPr>
+          <p:nvPr>
+            <p:ph type="subTitle" idx="1"/>
+          </p:nvPr>
+        </p:nvSpPr>
+        <p:spPr>
+          <a:xfrm>
+            <a:off x="7782910" y="5242675"/>
+            <a:ext cx="4330262" cy="683284"/>
+          </a:xfrm>
+        </p:spPr>
+        <p:txBody>
+          <a:bodyPr>
+            <a:normAutofit/>
+          </a:bodyPr>
+          <a:lstStyle/>
+          <a:p>
+            <a:r>
+              <a:rPr lang="en-US" sz="1600" dirty="0"/>
+              <a:t>DSI-24 Project 1</a:t>
+            </a:r>
+          </a:p>
+          <a:p>
+            <a:r>
+              <a:rPr lang="en-US" sz="1600" dirty="0"/>
+              <a:t>By Ethan </a:t>
+            </a:r>
+            <a:r>
+              <a:rPr lang="en-US" sz="1600" dirty="0" err="1"/>
+              <a:t>Leow</a:t>
+            </a:r>
+            <a:endParaRPr lang="en-US" sz="1600" dirty="0"/>
+          </a:p>
+        </p:txBody>
+      </p:sp>
+      <p:cxnSp>
+        <p:nvCxnSpPr>
+          <p:cNvPr id="24" name="Straight Connector 23">
+            <a:extLst>
+              <a:ext uri="{FF2B5EF4-FFF2-40B4-BE49-F238E27FC236}">
+                <a16:creationId xmlns:a16="http://schemas.microsoft.com/office/drawing/2014/main" id="{BCDAEC91-5BCE-4B55-9CC0-43EF94CB734B}"/>
               </a:ext>
               <a:ext uri="{C183D7F6-B498-43B3-948B-1728B52AA6E4}">
                 <adec:decorative xmlns:adec="http://schemas.microsoft.com/office/drawing/2017/decorative" val="1"/>
               </a:ext>
             </a:extLst>
           </p:cNvPr>
-          <p:cNvSpPr>
-            <a:spLocks noGrp="1" noRot="1" noChangeAspect="1" noMove="1" noResize="1" noEditPoints="1" noAdjustHandles="1" noChangeArrowheads="1" noChangeShapeType="1" noTextEdit="1"/>
-          </p:cNvSpPr>
+          <p:cNvCxnSpPr>
+            <a:cxnSpLocks noGrp="1" noRot="1" noChangeAspect="1" noMove="1" noResize="1" noEditPoints="1" noAdjustHandles="1" noChangeArrowheads="1" noChangeShapeType="1"/>
+          </p:cNvCxnSpPr>
           <p:nvPr>
             <p:extLst>
               <p:ext uri="{386F3935-93C4-4BCD-93E2-E3B085C9AB24}">
@@ -4216,328 +4305,40 @@
               </p:ext>
             </p:extLst>
           </p:nvPr>
-        </p:nvSpPr>
-        <p:spPr bwMode="auto">
-          <a:xfrm flipH="1">
-            <a:off x="842689" y="1423780"/>
-            <a:ext cx="687754" cy="3820236"/>
+        </p:nvCxnSpPr>
+        <p:spPr>
+          <a:xfrm>
+            <a:off x="9480331" y="5123793"/>
+            <a:ext cx="935420" cy="0"/>
           </a:xfrm>
-          <a:custGeom>
+          <a:prstGeom prst="line">
             <a:avLst/>
-            <a:gdLst>
-              <a:gd name="T0" fmla="*/ 414 w 414"/>
-              <a:gd name="T1" fmla="*/ 2447 h 2447"/>
-              <a:gd name="T2" fmla="*/ 0 w 414"/>
-              <a:gd name="T3" fmla="*/ 2247 h 2447"/>
-              <a:gd name="T4" fmla="*/ 0 w 414"/>
-              <a:gd name="T5" fmla="*/ 0 h 2447"/>
-              <a:gd name="T6" fmla="*/ 414 w 414"/>
-              <a:gd name="T7" fmla="*/ 200 h 2447"/>
-              <a:gd name="T8" fmla="*/ 414 w 414"/>
-              <a:gd name="T9" fmla="*/ 2447 h 2447"/>
-            </a:gdLst>
-            <a:ahLst/>
-            <a:cxnLst>
-              <a:cxn ang="0">
-                <a:pos x="T0" y="T1"/>
-              </a:cxn>
-              <a:cxn ang="0">
-                <a:pos x="T2" y="T3"/>
-              </a:cxn>
-              <a:cxn ang="0">
-                <a:pos x="T4" y="T5"/>
-              </a:cxn>
-              <a:cxn ang="0">
-                <a:pos x="T6" y="T7"/>
-              </a:cxn>
-              <a:cxn ang="0">
-                <a:pos x="T8" y="T9"/>
-              </a:cxn>
-            </a:cxnLst>
-            <a:rect l="0" t="0" r="r" b="b"/>
-            <a:pathLst>
-              <a:path w="414" h="2447">
-                <a:moveTo>
-                  <a:pt x="414" y="2447"/>
-                </a:moveTo>
-                <a:lnTo>
-                  <a:pt x="0" y="2247"/>
-                </a:lnTo>
-                <a:lnTo>
-                  <a:pt x="0" y="0"/>
-                </a:lnTo>
-                <a:lnTo>
-                  <a:pt x="414" y="200"/>
-                </a:lnTo>
-                <a:lnTo>
-                  <a:pt x="414" y="2447"/>
-                </a:lnTo>
-                <a:close/>
-              </a:path>
-            </a:pathLst>
-          </a:custGeom>
-          <a:solidFill>
-            <a:schemeClr val="accent1">
-              <a:lumMod val="75000"/>
-            </a:schemeClr>
-          </a:solidFill>
-          <a:ln>
-            <a:noFill/>
+          </a:prstGeom>
+          <a:ln w="25400" cap="sq">
+            <a:solidFill>
+              <a:schemeClr val="tx1">
+                <a:lumMod val="85000"/>
+                <a:lumOff val="15000"/>
+              </a:schemeClr>
+            </a:solidFill>
+            <a:bevel/>
           </a:ln>
         </p:spPr>
-        <p:txBody>
-          <a:bodyPr vert="horz" wrap="square" lIns="91440" tIns="45720" rIns="91440" bIns="45720" numCol="1" anchor="t" anchorCtr="0" compatLnSpc="1">
-            <a:prstTxWarp prst="textNoShape">
-              <a:avLst/>
-            </a:prstTxWarp>
-          </a:bodyPr>
-          <a:lstStyle/>
-          <a:p>
-            <a:endParaRPr lang="en-US"/>
-          </a:p>
-        </p:txBody>
-      </p:sp>
-      <p:sp>
-        <p:nvSpPr>
-          <p:cNvPr id="14" name="Freeform 7">
-            <a:extLst>
-              <a:ext uri="{FF2B5EF4-FFF2-40B4-BE49-F238E27FC236}">
-                <a16:creationId xmlns:a16="http://schemas.microsoft.com/office/drawing/2014/main" id="{2DC5A94D-79ED-48F5-9DC5-96CBB507CEC8}"/>
-              </a:ext>
-              <a:ext uri="{C183D7F6-B498-43B3-948B-1728B52AA6E4}">
-                <adec:decorative xmlns:adec="http://schemas.microsoft.com/office/drawing/2017/decorative" val="1"/>
-              </a:ext>
-            </a:extLst>
-          </p:cNvPr>
-          <p:cNvSpPr>
-            <a:spLocks noGrp="1" noRot="1" noChangeAspect="1" noMove="1" noResize="1" noEditPoints="1" noAdjustHandles="1" noChangeArrowheads="1" noChangeShapeType="1" noTextEdit="1"/>
-          </p:cNvSpPr>
-          <p:nvPr>
-            <p:extLst>
-              <p:ext uri="{386F3935-93C4-4BCD-93E2-E3B085C9AB24}">
-                <p16:designElem xmlns:p16="http://schemas.microsoft.com/office/powerpoint/2015/main" val="1"/>
-              </p:ext>
-            </p:extLst>
-          </p:nvPr>
-        </p:nvSpPr>
-        <p:spPr bwMode="auto">
-          <a:xfrm flipH="1">
-            <a:off x="1183243" y="1239381"/>
-            <a:ext cx="347200" cy="3699705"/>
-          </a:xfrm>
-          <a:custGeom>
-            <a:avLst/>
-            <a:gdLst>
-              <a:gd name="T0" fmla="*/ 209 w 209"/>
-              <a:gd name="T1" fmla="*/ 2246 h 2358"/>
-              <a:gd name="T2" fmla="*/ 0 w 209"/>
-              <a:gd name="T3" fmla="*/ 2358 h 2358"/>
-              <a:gd name="T4" fmla="*/ 0 w 209"/>
-              <a:gd name="T5" fmla="*/ 111 h 2358"/>
-              <a:gd name="T6" fmla="*/ 209 w 209"/>
-              <a:gd name="T7" fmla="*/ 0 h 2358"/>
-              <a:gd name="T8" fmla="*/ 209 w 209"/>
-              <a:gd name="T9" fmla="*/ 2246 h 2358"/>
-            </a:gdLst>
-            <a:ahLst/>
-            <a:cxnLst>
-              <a:cxn ang="0">
-                <a:pos x="T0" y="T1"/>
-              </a:cxn>
-              <a:cxn ang="0">
-                <a:pos x="T2" y="T3"/>
-              </a:cxn>
-              <a:cxn ang="0">
-                <a:pos x="T4" y="T5"/>
-              </a:cxn>
-              <a:cxn ang="0">
-                <a:pos x="T6" y="T7"/>
-              </a:cxn>
-              <a:cxn ang="0">
-                <a:pos x="T8" y="T9"/>
-              </a:cxn>
-            </a:cxnLst>
-            <a:rect l="0" t="0" r="r" b="b"/>
-            <a:pathLst>
-              <a:path w="209" h="2358">
-                <a:moveTo>
-                  <a:pt x="209" y="2246"/>
-                </a:moveTo>
-                <a:lnTo>
-                  <a:pt x="0" y="2358"/>
-                </a:lnTo>
-                <a:lnTo>
-                  <a:pt x="0" y="111"/>
-                </a:lnTo>
-                <a:lnTo>
-                  <a:pt x="209" y="0"/>
-                </a:lnTo>
-                <a:lnTo>
-                  <a:pt x="209" y="2246"/>
-                </a:lnTo>
-                <a:close/>
-              </a:path>
-            </a:pathLst>
-          </a:custGeom>
-          <a:solidFill>
-            <a:schemeClr val="accent1">
-              <a:lumMod val="50000"/>
-            </a:schemeClr>
-          </a:solidFill>
-          <a:ln>
-            <a:noFill/>
-          </a:ln>
-        </p:spPr>
-        <p:txBody>
-          <a:bodyPr vert="horz" wrap="square" lIns="91440" tIns="45720" rIns="91440" bIns="45720" numCol="1" anchor="t" anchorCtr="0" compatLnSpc="1">
-            <a:prstTxWarp prst="textNoShape">
-              <a:avLst/>
-            </a:prstTxWarp>
-          </a:bodyPr>
-          <a:lstStyle/>
-          <a:p>
-            <a:endParaRPr lang="en-US"/>
-          </a:p>
-        </p:txBody>
-      </p:sp>
-      <p:sp>
-        <p:nvSpPr>
-          <p:cNvPr id="16" name="Rectangle 8">
-            <a:extLst>
-              <a:ext uri="{FF2B5EF4-FFF2-40B4-BE49-F238E27FC236}">
-                <a16:creationId xmlns:a16="http://schemas.microsoft.com/office/drawing/2014/main" id="{93A3D4BE-AF25-4F9A-9C29-1145CCE24A28}"/>
-              </a:ext>
-              <a:ext uri="{C183D7F6-B498-43B3-948B-1728B52AA6E4}">
-                <adec:decorative xmlns:adec="http://schemas.microsoft.com/office/drawing/2017/decorative" val="1"/>
-              </a:ext>
-            </a:extLst>
-          </p:cNvPr>
-          <p:cNvSpPr>
-            <a:spLocks noGrp="1" noRot="1" noChangeAspect="1" noMove="1" noResize="1" noEditPoints="1" noAdjustHandles="1" noChangeArrowheads="1" noChangeShapeType="1" noTextEdit="1"/>
-          </p:cNvSpPr>
-          <p:nvPr>
-            <p:extLst>
-              <p:ext uri="{386F3935-93C4-4BCD-93E2-E3B085C9AB24}">
-                <p16:designElem xmlns:p16="http://schemas.microsoft.com/office/powerpoint/2015/main" val="1"/>
-              </p:ext>
-            </p:extLst>
-          </p:nvPr>
-        </p:nvSpPr>
-        <p:spPr bwMode="auto">
-          <a:xfrm flipH="1">
-            <a:off x="1183242" y="1230651"/>
-            <a:ext cx="10208658" cy="3531073"/>
-          </a:xfrm>
-          <a:prstGeom prst="rect">
-            <a:avLst/>
-          </a:prstGeom>
-          <a:solidFill>
+        <p:style>
+          <a:lnRef idx="1">
             <a:schemeClr val="accent1"/>
-          </a:solidFill>
-          <a:ln>
-            <a:noFill/>
-          </a:ln>
-        </p:spPr>
-        <p:txBody>
-          <a:bodyPr vert="horz" wrap="square" lIns="91440" tIns="45720" rIns="91440" bIns="45720" numCol="1" anchor="t" anchorCtr="0" compatLnSpc="1">
-            <a:prstTxWarp prst="textNoShape">
-              <a:avLst/>
-            </a:prstTxWarp>
-          </a:bodyPr>
-          <a:lstStyle/>
-          <a:p>
-            <a:endParaRPr lang="en-US"/>
-          </a:p>
-        </p:txBody>
-      </p:sp>
-      <p:sp>
-        <p:nvSpPr>
-          <p:cNvPr id="2" name="Title 1">
-            <a:extLst>
-              <a:ext uri="{FF2B5EF4-FFF2-40B4-BE49-F238E27FC236}">
-                <a16:creationId xmlns:a16="http://schemas.microsoft.com/office/drawing/2014/main" id="{31718418-9B96-C646-B7EC-3DC62285B945}"/>
-              </a:ext>
-            </a:extLst>
-          </p:cNvPr>
-          <p:cNvSpPr>
-            <a:spLocks noGrp="1"/>
-          </p:cNvSpPr>
-          <p:nvPr>
-            <p:ph type="ctrTitle"/>
-          </p:nvPr>
-        </p:nvSpPr>
-        <p:spPr>
-          <a:xfrm>
-            <a:off x="1870997" y="1607809"/>
-            <a:ext cx="9236026" cy="2876680"/>
-          </a:xfrm>
-        </p:spPr>
-        <p:txBody>
-          <a:bodyPr anchor="b">
-            <a:normAutofit/>
-          </a:bodyPr>
-          <a:lstStyle/>
-          <a:p>
-            <a:pPr algn="l"/>
-            <a:r>
-              <a:rPr lang="en-US" sz="6600" dirty="0">
-                <a:solidFill>
-                  <a:srgbClr val="FFFFFF"/>
-                </a:solidFill>
-              </a:rPr>
-              <a:t>DSI24 Project 1</a:t>
-            </a:r>
-          </a:p>
-        </p:txBody>
-      </p:sp>
-      <p:sp>
-        <p:nvSpPr>
-          <p:cNvPr id="3" name="Subtitle 2">
-            <a:extLst>
-              <a:ext uri="{FF2B5EF4-FFF2-40B4-BE49-F238E27FC236}">
-                <a16:creationId xmlns:a16="http://schemas.microsoft.com/office/drawing/2014/main" id="{E5CFA6EB-E939-A047-847F-D4794091D472}"/>
-              </a:ext>
-            </a:extLst>
-          </p:cNvPr>
-          <p:cNvSpPr>
-            <a:spLocks noGrp="1"/>
-          </p:cNvSpPr>
-          <p:nvPr>
-            <p:ph type="subTitle" idx="1"/>
-          </p:nvPr>
-        </p:nvSpPr>
-        <p:spPr>
-          <a:xfrm>
-            <a:off x="1987499" y="4810308"/>
-            <a:ext cx="9003022" cy="1076551"/>
-          </a:xfrm>
-        </p:spPr>
-        <p:txBody>
-          <a:bodyPr>
-            <a:normAutofit/>
-          </a:bodyPr>
-          <a:lstStyle/>
-          <a:p>
-            <a:pPr algn="l"/>
-            <a:r>
-              <a:rPr lang="en-US" dirty="0"/>
-              <a:t>Race, ACT and SAT</a:t>
-            </a:r>
-          </a:p>
-          <a:p>
-            <a:pPr algn="l"/>
-            <a:r>
-              <a:rPr lang="en-US" dirty="0"/>
-              <a:t>By Ethan </a:t>
-            </a:r>
-            <a:r>
-              <a:rPr lang="en-US" dirty="0" err="1"/>
-              <a:t>Leow</a:t>
-            </a:r>
-            <a:endParaRPr lang="en-US" dirty="0"/>
-          </a:p>
-        </p:txBody>
-      </p:sp>
+          </a:lnRef>
+          <a:fillRef idx="0">
+            <a:schemeClr val="accent1"/>
+          </a:fillRef>
+          <a:effectRef idx="0">
+            <a:schemeClr val="accent1"/>
+          </a:effectRef>
+          <a:fontRef idx="minor">
+            <a:schemeClr val="tx1"/>
+          </a:fontRef>
+        </p:style>
+      </p:cxnSp>
     </p:spTree>
     <p:extLst>
       <p:ext uri="{BB962C8B-B14F-4D97-AF65-F5344CB8AC3E}">
@@ -4955,8 +4756,8 @@
         </p:nvSpPr>
         <p:spPr>
           <a:xfrm>
-            <a:off x="838200" y="1825625"/>
-            <a:ext cx="10515600" cy="4837934"/>
+            <a:off x="838200" y="1690688"/>
+            <a:ext cx="10515600" cy="4972871"/>
           </a:xfrm>
         </p:spPr>
         <p:txBody>
@@ -4974,14 +4775,58 @@
             <a:pPr lvl="1"/>
             <a:r>
               <a:rPr lang="en-GB" sz="2000" dirty="0"/>
-              <a:t>In particular, states with high proportion of Black and Native American races perform the worst in ACTs, and</a:t>
+              <a:t>States with high proportion of </a:t>
+            </a:r>
+            <a:r>
+              <a:rPr lang="en-GB" sz="2000" dirty="0">
+                <a:solidFill>
+                  <a:srgbClr val="0070C0"/>
+                </a:solidFill>
+              </a:rPr>
+              <a:t>Black and Native American </a:t>
+            </a:r>
+            <a:r>
+              <a:rPr lang="en-GB" sz="2000" dirty="0"/>
+              <a:t>races perform the worst in </a:t>
+            </a:r>
+            <a:r>
+              <a:rPr lang="en-GB" sz="2000" dirty="0">
+                <a:solidFill>
+                  <a:srgbClr val="0070C0"/>
+                </a:solidFill>
+              </a:rPr>
+              <a:t>ACTs</a:t>
+            </a:r>
+            <a:r>
+              <a:rPr lang="en-GB" sz="2000" dirty="0"/>
+              <a:t>, and</a:t>
             </a:r>
           </a:p>
           <a:p>
             <a:pPr lvl="1"/>
             <a:r>
               <a:rPr lang="en-GB" sz="2000" dirty="0"/>
-              <a:t>States with high proportion of Asian and Hispanic races perform the worst in SATs</a:t>
+              <a:t>States with high proportion of </a:t>
+            </a:r>
+            <a:r>
+              <a:rPr lang="en-GB" sz="2000" dirty="0">
+                <a:solidFill>
+                  <a:srgbClr val="0070C0"/>
+                </a:solidFill>
+              </a:rPr>
+              <a:t>Asian and Hispanic </a:t>
+            </a:r>
+            <a:r>
+              <a:rPr lang="en-GB" sz="2000" dirty="0"/>
+              <a:t>races perform the worst in </a:t>
+            </a:r>
+            <a:r>
+              <a:rPr lang="en-GB" sz="2000" dirty="0">
+                <a:solidFill>
+                  <a:srgbClr val="0070C0"/>
+                </a:solidFill>
+              </a:rPr>
+              <a:t>SATs</a:t>
             </a:r>
           </a:p>
           <a:p>
@@ -4994,7 +4839,27 @@
             <a:pPr lvl="1"/>
             <a:r>
               <a:rPr lang="en-GB" sz="2000" dirty="0"/>
-              <a:t>Higher income levels do not necessarily correlate with higher test scores</a:t>
+              <a:t>Higher </a:t>
+            </a:r>
+            <a:r>
+              <a:rPr lang="en-GB" sz="2000" dirty="0">
+                <a:solidFill>
+                  <a:srgbClr val="0070C0"/>
+                </a:solidFill>
+              </a:rPr>
+              <a:t>income levels </a:t>
+            </a:r>
+            <a:r>
+              <a:rPr lang="en-GB" sz="2000" dirty="0"/>
+              <a:t>do not necessarily correlate with higher </a:t>
+            </a:r>
+            <a:r>
+              <a:rPr lang="en-GB" sz="2000" dirty="0">
+                <a:solidFill>
+                  <a:srgbClr val="0070C0"/>
+                </a:solidFill>
+              </a:rPr>
+              <a:t>test scores</a:t>
             </a:r>
           </a:p>
           <a:p>
@@ -5007,14 +4872,34 @@
           <a:p>
             <a:r>
               <a:rPr lang="en-GB" sz="2400" dirty="0"/>
-              <a:t>We recommend a further study to investigate if standardised tests are truly discriminatory</a:t>
+              <a:t>Please give us a grant to fund a further study to investigate if standardised tests are truly discriminatory</a:t>
             </a:r>
           </a:p>
           <a:p>
             <a:pPr lvl="1"/>
             <a:r>
               <a:rPr lang="en-GB" sz="2000" dirty="0"/>
-              <a:t>Please give us a $100,000 grant!</a:t>
+              <a:t>We want to study if Blacks and other minority races </a:t>
+            </a:r>
+            <a:r>
+              <a:rPr lang="en-US" sz="2000" dirty="0"/>
+              <a:t>from </a:t>
+            </a:r>
+            <a:r>
+              <a:rPr lang="en-US" sz="2000" dirty="0">
+                <a:solidFill>
+                  <a:srgbClr val="0070C0"/>
+                </a:solidFill>
+              </a:rPr>
+              <a:t>comparable socioeconomic</a:t>
+            </a:r>
+            <a:r>
+              <a:rPr lang="en-US" sz="2000" dirty="0"/>
+              <a:t> backgrounds </a:t>
+            </a:r>
+            <a:r>
+              <a:rPr lang="en-GB" sz="2000" dirty="0"/>
+              <a:t>do worse than their White counterparts</a:t>
             </a:r>
           </a:p>
         </p:txBody>
@@ -5059,10 +4944,10 @@
       </p:grpSpPr>
       <p:sp useBgFill="1">
         <p:nvSpPr>
-          <p:cNvPr id="21" name="Rectangle 20">
-            <a:extLst>
-              <a:ext uri="{FF2B5EF4-FFF2-40B4-BE49-F238E27FC236}">
-                <a16:creationId xmlns:a16="http://schemas.microsoft.com/office/drawing/2014/main" id="{827B839B-9ADE-406B-8590-F1CAEDED45A1}"/>
+          <p:cNvPr id="42" name="Rectangle 35">
+            <a:extLst>
+              <a:ext uri="{FF2B5EF4-FFF2-40B4-BE49-F238E27FC236}">
+                <a16:creationId xmlns:a16="http://schemas.microsoft.com/office/drawing/2014/main" id="{907EF6B7-1338-4443-8C46-6A318D952DFD}"/>
               </a:ext>
               <a:ext uri="{C183D7F6-B498-43B3-948B-1728B52AA6E4}">
                 <adec:decorative xmlns:adec="http://schemas.microsoft.com/office/drawing/2017/decorative" val="1"/>
@@ -5082,7 +4967,7 @@
         </p:nvSpPr>
         <p:spPr>
           <a:xfrm>
-            <a:off x="0" y="0"/>
+            <a:off x="3048" y="0"/>
             <a:ext cx="12188952" cy="6858000"/>
           </a:xfrm>
           <a:prstGeom prst="rect">
@@ -5119,10 +5004,10 @@
       </p:sp>
       <p:sp>
         <p:nvSpPr>
-          <p:cNvPr id="23" name="Freeform 45">
-            <a:extLst>
-              <a:ext uri="{FF2B5EF4-FFF2-40B4-BE49-F238E27FC236}">
-                <a16:creationId xmlns:a16="http://schemas.microsoft.com/office/drawing/2014/main" id="{CFE45BF0-46DB-408C-B5F7-7B11716805D4}"/>
+          <p:cNvPr id="43" name="Freeform: Shape 37">
+            <a:extLst>
+              <a:ext uri="{FF2B5EF4-FFF2-40B4-BE49-F238E27FC236}">
+                <a16:creationId xmlns:a16="http://schemas.microsoft.com/office/drawing/2014/main" id="{DAAE4CDD-124C-4DCF-9584-B6033B545DD5}"/>
               </a:ext>
               <a:ext uri="{C183D7F6-B498-43B3-948B-1728B52AA6E4}">
                 <adec:decorative xmlns:adec="http://schemas.microsoft.com/office/drawing/2017/decorative" val="1"/>
@@ -5140,92 +5025,162 @@
             </p:extLst>
           </p:nvPr>
         </p:nvSpPr>
-        <p:spPr bwMode="auto">
+        <p:spPr>
           <a:xfrm>
-            <a:off x="409710" y="1022350"/>
-            <a:ext cx="709612" cy="2095501"/>
+            <a:off x="1" y="0"/>
+            <a:ext cx="4167271" cy="6858000"/>
           </a:xfrm>
           <a:custGeom>
             <a:avLst/>
             <a:gdLst>
-              <a:gd name="T0" fmla="*/ 447 w 447"/>
-              <a:gd name="T1" fmla="*/ 1363 h 1363"/>
-              <a:gd name="T2" fmla="*/ 0 w 447"/>
-              <a:gd name="T3" fmla="*/ 987 h 1363"/>
-              <a:gd name="T4" fmla="*/ 0 w 447"/>
-              <a:gd name="T5" fmla="*/ 0 h 1363"/>
-              <a:gd name="T6" fmla="*/ 447 w 447"/>
-              <a:gd name="T7" fmla="*/ 376 h 1363"/>
-              <a:gd name="T8" fmla="*/ 447 w 447"/>
-              <a:gd name="T9" fmla="*/ 1363 h 1363"/>
+              <a:gd name="connsiteX0" fmla="*/ 0 w 4167271"/>
+              <a:gd name="connsiteY0" fmla="*/ 0 h 6858000"/>
+              <a:gd name="connsiteX1" fmla="*/ 2259550 w 4167271"/>
+              <a:gd name="connsiteY1" fmla="*/ 0 h 6858000"/>
+              <a:gd name="connsiteX2" fmla="*/ 2387803 w 4167271"/>
+              <a:gd name="connsiteY2" fmla="*/ 82222 h 6858000"/>
+              <a:gd name="connsiteX3" fmla="*/ 4167271 w 4167271"/>
+              <a:gd name="connsiteY3" fmla="*/ 3429000 h 6858000"/>
+              <a:gd name="connsiteX4" fmla="*/ 2387803 w 4167271"/>
+              <a:gd name="connsiteY4" fmla="*/ 6775779 h 6858000"/>
+              <a:gd name="connsiteX5" fmla="*/ 2259550 w 4167271"/>
+              <a:gd name="connsiteY5" fmla="*/ 6858000 h 6858000"/>
+              <a:gd name="connsiteX6" fmla="*/ 0 w 4167271"/>
+              <a:gd name="connsiteY6" fmla="*/ 6858000 h 6858000"/>
             </a:gdLst>
             <a:ahLst/>
             <a:cxnLst>
               <a:cxn ang="0">
-                <a:pos x="T0" y="T1"/>
+                <a:pos x="connsiteX0" y="connsiteY0"/>
               </a:cxn>
               <a:cxn ang="0">
-                <a:pos x="T2" y="T3"/>
+                <a:pos x="connsiteX1" y="connsiteY1"/>
               </a:cxn>
               <a:cxn ang="0">
-                <a:pos x="T4" y="T5"/>
+                <a:pos x="connsiteX2" y="connsiteY2"/>
               </a:cxn>
               <a:cxn ang="0">
-                <a:pos x="T6" y="T7"/>
+                <a:pos x="connsiteX3" y="connsiteY3"/>
               </a:cxn>
               <a:cxn ang="0">
-                <a:pos x="T8" y="T9"/>
+                <a:pos x="connsiteX4" y="connsiteY4"/>
+              </a:cxn>
+              <a:cxn ang="0">
+                <a:pos x="connsiteX5" y="connsiteY5"/>
+              </a:cxn>
+              <a:cxn ang="0">
+                <a:pos x="connsiteX6" y="connsiteY6"/>
               </a:cxn>
             </a:cxnLst>
-            <a:rect l="0" t="0" r="r" b="b"/>
+            <a:rect l="l" t="t" r="r" b="b"/>
             <a:pathLst>
-              <a:path w="447" h="1363">
+              <a:path w="4167271" h="6858000">
                 <a:moveTo>
-                  <a:pt x="447" y="1363"/>
+                  <a:pt x="0" y="0"/>
                 </a:moveTo>
                 <a:lnTo>
-                  <a:pt x="0" y="987"/>
+                  <a:pt x="2259550" y="0"/>
                 </a:lnTo>
                 <a:lnTo>
-                  <a:pt x="0" y="0"/>
+                  <a:pt x="2387803" y="82222"/>
+                </a:lnTo>
+                <a:cubicBezTo>
+                  <a:pt x="3461407" y="807534"/>
+                  <a:pt x="4167271" y="2035835"/>
+                  <a:pt x="4167271" y="3429000"/>
+                </a:cubicBezTo>
+                <a:cubicBezTo>
+                  <a:pt x="4167271" y="4822165"/>
+                  <a:pt x="3461407" y="6050467"/>
+                  <a:pt x="2387803" y="6775779"/>
+                </a:cubicBezTo>
+                <a:lnTo>
+                  <a:pt x="2259550" y="6858000"/>
                 </a:lnTo>
                 <a:lnTo>
-                  <a:pt x="447" y="376"/>
-                </a:lnTo>
-                <a:lnTo>
-                  <a:pt x="447" y="1363"/>
+                  <a:pt x="0" y="6858000"/>
                 </a:lnTo>
                 <a:close/>
               </a:path>
             </a:pathLst>
           </a:custGeom>
           <a:solidFill>
-            <a:schemeClr val="accent1">
-              <a:lumMod val="50000"/>
-            </a:schemeClr>
+            <a:schemeClr val="accent2"/>
           </a:solidFill>
           <a:ln>
             <a:noFill/>
           </a:ln>
         </p:spPr>
-        <p:txBody>
-          <a:bodyPr vert="horz" wrap="square" lIns="91440" tIns="45720" rIns="91440" bIns="45720" numCol="1" anchor="t" anchorCtr="0" compatLnSpc="1">
-            <a:prstTxWarp prst="textNoShape">
-              <a:avLst/>
-            </a:prstTxWarp>
+        <p:style>
+          <a:lnRef idx="2">
+            <a:schemeClr val="accent1">
+              <a:shade val="50000"/>
+            </a:schemeClr>
+          </a:lnRef>
+          <a:fillRef idx="1">
+            <a:schemeClr val="accent1"/>
+          </a:fillRef>
+          <a:effectRef idx="0">
+            <a:schemeClr val="accent1"/>
+          </a:effectRef>
+          <a:fontRef idx="minor">
+            <a:schemeClr val="lt1"/>
+          </a:fontRef>
+        </p:style>
+        <p:txBody>
+          <a:bodyPr rtlCol="0" anchor="ctr"/>
+          <a:lstStyle/>
+          <a:p>
+            <a:pPr algn="ctr"/>
+            <a:endParaRPr lang="en-US"/>
+          </a:p>
+        </p:txBody>
+      </p:sp>
+      <p:sp>
+        <p:nvSpPr>
+          <p:cNvPr id="2" name="Title 1">
+            <a:extLst>
+              <a:ext uri="{FF2B5EF4-FFF2-40B4-BE49-F238E27FC236}">
+                <a16:creationId xmlns:a16="http://schemas.microsoft.com/office/drawing/2014/main" id="{AA97CF9D-4D09-084E-8CE6-3DDE4AEB9B11}"/>
+              </a:ext>
+            </a:extLst>
+          </p:cNvPr>
+          <p:cNvSpPr>
+            <a:spLocks noGrp="1"/>
+          </p:cNvSpPr>
+          <p:nvPr>
+            <p:ph type="title"/>
+          </p:nvPr>
+        </p:nvSpPr>
+        <p:spPr>
+          <a:xfrm>
+            <a:off x="686834" y="1153572"/>
+            <a:ext cx="3200400" cy="4461163"/>
+          </a:xfrm>
+        </p:spPr>
+        <p:txBody>
+          <a:bodyPr>
+            <a:normAutofit/>
           </a:bodyPr>
           <a:lstStyle/>
           <a:p>
-            <a:endParaRPr lang="en-US"/>
-          </a:p>
-        </p:txBody>
-      </p:sp>
-      <p:sp>
-        <p:nvSpPr>
-          <p:cNvPr id="25" name="Freeform 46">
-            <a:extLst>
-              <a:ext uri="{FF2B5EF4-FFF2-40B4-BE49-F238E27FC236}">
-                <a16:creationId xmlns:a16="http://schemas.microsoft.com/office/drawing/2014/main" id="{2AEBC8F2-97B1-41B4-93F1-2D289E197FBA}"/>
+            <a:r>
+              <a:rPr lang="en-US">
+                <a:solidFill>
+                  <a:srgbClr val="FFFFFF"/>
+                </a:solidFill>
+              </a:rPr>
+              <a:t>Hypothetical Background and Problem Statement</a:t>
+            </a:r>
+          </a:p>
+        </p:txBody>
+      </p:sp>
+      <p:sp>
+        <p:nvSpPr>
+          <p:cNvPr id="44" name="Arc 39">
+            <a:extLst>
+              <a:ext uri="{FF2B5EF4-FFF2-40B4-BE49-F238E27FC236}">
+                <a16:creationId xmlns:a16="http://schemas.microsoft.com/office/drawing/2014/main" id="{081E4A58-353D-44AE-B2FC-2A74E2E400F7}"/>
               </a:ext>
               <a:ext uri="{C183D7F6-B498-43B3-948B-1728B52AA6E4}">
                 <adec:decorative xmlns:adec="http://schemas.microsoft.com/office/drawing/2017/decorative" val="1"/>
@@ -5243,401 +5198,64 @@
             </p:extLst>
           </p:nvPr>
         </p:nvSpPr>
-        <p:spPr bwMode="auto">
-          <a:xfrm>
-            <a:off x="409710" y="837744"/>
-            <a:ext cx="403225" cy="1705431"/>
+        <p:spPr>
+          <a:xfrm flipV="1">
+            <a:off x="7550402" y="2455479"/>
+            <a:ext cx="4083433" cy="4083433"/>
           </a:xfrm>
-          <a:custGeom>
+          <a:prstGeom prst="arc">
             <a:avLst/>
-            <a:gdLst>
-              <a:gd name="T0" fmla="*/ 254 w 254"/>
-              <a:gd name="T1" fmla="*/ 987 h 1109"/>
-              <a:gd name="T2" fmla="*/ 0 w 254"/>
-              <a:gd name="T3" fmla="*/ 1109 h 1109"/>
-              <a:gd name="T4" fmla="*/ 0 w 254"/>
-              <a:gd name="T5" fmla="*/ 119 h 1109"/>
-              <a:gd name="T6" fmla="*/ 254 w 254"/>
-              <a:gd name="T7" fmla="*/ 0 h 1109"/>
-              <a:gd name="T8" fmla="*/ 254 w 254"/>
-              <a:gd name="T9" fmla="*/ 987 h 1109"/>
-            </a:gdLst>
-            <a:ahLst/>
-            <a:cxnLst>
-              <a:cxn ang="0">
-                <a:pos x="T0" y="T1"/>
-              </a:cxn>
-              <a:cxn ang="0">
-                <a:pos x="T2" y="T3"/>
-              </a:cxn>
-              <a:cxn ang="0">
-                <a:pos x="T4" y="T5"/>
-              </a:cxn>
-              <a:cxn ang="0">
-                <a:pos x="T6" y="T7"/>
-              </a:cxn>
-              <a:cxn ang="0">
-                <a:pos x="T8" y="T9"/>
-              </a:cxn>
-            </a:cxnLst>
-            <a:rect l="0" t="0" r="r" b="b"/>
-            <a:pathLst>
-              <a:path w="254" h="1109">
-                <a:moveTo>
-                  <a:pt x="254" y="987"/>
-                </a:moveTo>
-                <a:lnTo>
-                  <a:pt x="0" y="1109"/>
-                </a:lnTo>
-                <a:lnTo>
-                  <a:pt x="0" y="119"/>
-                </a:lnTo>
-                <a:lnTo>
-                  <a:pt x="254" y="0"/>
-                </a:lnTo>
-                <a:lnTo>
-                  <a:pt x="254" y="987"/>
-                </a:lnTo>
-                <a:close/>
-              </a:path>
-            </a:pathLst>
-          </a:custGeom>
-          <a:solidFill>
-            <a:schemeClr val="accent1">
-              <a:lumMod val="75000"/>
-            </a:schemeClr>
-          </a:solidFill>
-          <a:ln>
-            <a:noFill/>
+          </a:prstGeom>
+          <a:ln w="127000" cap="rnd">
+            <a:solidFill>
+              <a:schemeClr val="accent4"/>
+            </a:solidFill>
+            <a:prstDash val="dash"/>
           </a:ln>
         </p:spPr>
-        <p:txBody>
-          <a:bodyPr vert="horz" wrap="square" lIns="91440" tIns="45720" rIns="91440" bIns="45720" numCol="1" anchor="t" anchorCtr="0" compatLnSpc="1">
-            <a:prstTxWarp prst="textNoShape">
-              <a:avLst/>
-            </a:prstTxWarp>
-          </a:bodyPr>
-          <a:lstStyle/>
-          <a:p>
-            <a:endParaRPr lang="en-US"/>
-          </a:p>
-        </p:txBody>
-      </p:sp>
-      <p:sp>
-        <p:nvSpPr>
-          <p:cNvPr id="27" name="Freeform 47">
-            <a:extLst>
-              <a:ext uri="{FF2B5EF4-FFF2-40B4-BE49-F238E27FC236}">
-                <a16:creationId xmlns:a16="http://schemas.microsoft.com/office/drawing/2014/main" id="{472E3A19-F5D5-48FC-BB9C-48C2F68F598B}"/>
-              </a:ext>
-              <a:ext uri="{C183D7F6-B498-43B3-948B-1728B52AA6E4}">
-                <adec:decorative xmlns:adec="http://schemas.microsoft.com/office/drawing/2017/decorative" val="1"/>
-              </a:ext>
-            </a:extLst>
-          </p:cNvPr>
-          <p:cNvSpPr>
-            <a:spLocks noGrp="1" noRot="1" noChangeAspect="1" noMove="1" noResize="1" noEditPoints="1" noAdjustHandles="1" noChangeArrowheads="1" noChangeShapeType="1" noTextEdit="1"/>
-          </p:cNvSpPr>
-          <p:nvPr>
-            <p:extLst>
-              <p:ext uri="{386F3935-93C4-4BCD-93E2-E3B085C9AB24}">
-                <p16:designElem xmlns:p16="http://schemas.microsoft.com/office/powerpoint/2015/main" val="1"/>
-              </p:ext>
-            </p:extLst>
-          </p:nvPr>
-        </p:nvSpPr>
-        <p:spPr bwMode="auto">
-          <a:xfrm>
-            <a:off x="644660" y="640894"/>
-            <a:ext cx="168275" cy="1713195"/>
-          </a:xfrm>
-          <a:custGeom>
-            <a:avLst/>
-            <a:gdLst>
-              <a:gd name="T0" fmla="*/ 106 w 106"/>
-              <a:gd name="T1" fmla="*/ 1114 h 1114"/>
-              <a:gd name="T2" fmla="*/ 0 w 106"/>
-              <a:gd name="T3" fmla="*/ 1005 h 1114"/>
-              <a:gd name="T4" fmla="*/ 0 w 106"/>
-              <a:gd name="T5" fmla="*/ 0 h 1114"/>
-              <a:gd name="T6" fmla="*/ 106 w 106"/>
-              <a:gd name="T7" fmla="*/ 110 h 1114"/>
-              <a:gd name="T8" fmla="*/ 106 w 106"/>
-              <a:gd name="T9" fmla="*/ 1114 h 1114"/>
-            </a:gdLst>
-            <a:ahLst/>
-            <a:cxnLst>
-              <a:cxn ang="0">
-                <a:pos x="T0" y="T1"/>
-              </a:cxn>
-              <a:cxn ang="0">
-                <a:pos x="T2" y="T3"/>
-              </a:cxn>
-              <a:cxn ang="0">
-                <a:pos x="T4" y="T5"/>
-              </a:cxn>
-              <a:cxn ang="0">
-                <a:pos x="T6" y="T7"/>
-              </a:cxn>
-              <a:cxn ang="0">
-                <a:pos x="T8" y="T9"/>
-              </a:cxn>
-            </a:cxnLst>
-            <a:rect l="0" t="0" r="r" b="b"/>
-            <a:pathLst>
-              <a:path w="106" h="1114">
-                <a:moveTo>
-                  <a:pt x="106" y="1114"/>
-                </a:moveTo>
-                <a:lnTo>
-                  <a:pt x="0" y="1005"/>
-                </a:lnTo>
-                <a:lnTo>
-                  <a:pt x="0" y="0"/>
-                </a:lnTo>
-                <a:lnTo>
-                  <a:pt x="106" y="110"/>
-                </a:lnTo>
-                <a:lnTo>
-                  <a:pt x="106" y="1114"/>
-                </a:lnTo>
-                <a:close/>
-              </a:path>
-            </a:pathLst>
-          </a:custGeom>
-          <a:solidFill>
-            <a:schemeClr val="accent1">
-              <a:lumMod val="50000"/>
-            </a:schemeClr>
-          </a:solidFill>
-          <a:ln>
-            <a:noFill/>
-          </a:ln>
-        </p:spPr>
-        <p:txBody>
-          <a:bodyPr vert="horz" wrap="square" lIns="91440" tIns="45720" rIns="91440" bIns="45720" numCol="1" anchor="t" anchorCtr="0" compatLnSpc="1">
-            <a:prstTxWarp prst="textNoShape">
-              <a:avLst/>
-            </a:prstTxWarp>
-          </a:bodyPr>
-          <a:lstStyle/>
-          <a:p>
-            <a:endParaRPr lang="en-US"/>
-          </a:p>
-        </p:txBody>
-      </p:sp>
-      <p:sp>
-        <p:nvSpPr>
-          <p:cNvPr id="29" name="Freeform 44">
-            <a:extLst>
-              <a:ext uri="{FF2B5EF4-FFF2-40B4-BE49-F238E27FC236}">
-                <a16:creationId xmlns:a16="http://schemas.microsoft.com/office/drawing/2014/main" id="{7A62E32F-BB65-43A8-8EB5-92346890E549}"/>
-              </a:ext>
-              <a:ext uri="{C183D7F6-B498-43B3-948B-1728B52AA6E4}">
-                <adec:decorative xmlns:adec="http://schemas.microsoft.com/office/drawing/2017/decorative" val="1"/>
-              </a:ext>
-            </a:extLst>
-          </p:cNvPr>
-          <p:cNvSpPr>
-            <a:spLocks noGrp="1" noRot="1" noChangeAspect="1" noMove="1" noResize="1" noEditPoints="1" noAdjustHandles="1" noChangeArrowheads="1" noChangeShapeType="1" noTextEdit="1"/>
-          </p:cNvSpPr>
-          <p:nvPr>
-            <p:extLst>
-              <p:ext uri="{386F3935-93C4-4BCD-93E2-E3B085C9AB24}">
-                <p16:designElem xmlns:p16="http://schemas.microsoft.com/office/powerpoint/2015/main" val="1"/>
-              </p:ext>
-            </p:extLst>
-          </p:nvPr>
-        </p:nvSpPr>
-        <p:spPr bwMode="auto">
-          <a:xfrm>
-            <a:off x="11223203" y="635716"/>
-            <a:ext cx="328612" cy="1742360"/>
-          </a:xfrm>
-          <a:custGeom>
-            <a:avLst/>
-            <a:gdLst>
-              <a:gd name="T0" fmla="*/ 207 w 207"/>
-              <a:gd name="T1" fmla="*/ 987 h 1114"/>
-              <a:gd name="T2" fmla="*/ 0 w 207"/>
-              <a:gd name="T3" fmla="*/ 1114 h 1114"/>
-              <a:gd name="T4" fmla="*/ 0 w 207"/>
-              <a:gd name="T5" fmla="*/ 127 h 1114"/>
-              <a:gd name="T6" fmla="*/ 207 w 207"/>
-              <a:gd name="T7" fmla="*/ 0 h 1114"/>
-              <a:gd name="T8" fmla="*/ 207 w 207"/>
-              <a:gd name="T9" fmla="*/ 987 h 1114"/>
-            </a:gdLst>
-            <a:ahLst/>
-            <a:cxnLst>
-              <a:cxn ang="0">
-                <a:pos x="T0" y="T1"/>
-              </a:cxn>
-              <a:cxn ang="0">
-                <a:pos x="T2" y="T3"/>
-              </a:cxn>
-              <a:cxn ang="0">
-                <a:pos x="T4" y="T5"/>
-              </a:cxn>
-              <a:cxn ang="0">
-                <a:pos x="T6" y="T7"/>
-              </a:cxn>
-              <a:cxn ang="0">
-                <a:pos x="T8" y="T9"/>
-              </a:cxn>
-            </a:cxnLst>
-            <a:rect l="0" t="0" r="r" b="b"/>
-            <a:pathLst>
-              <a:path w="207" h="1114">
-                <a:moveTo>
-                  <a:pt x="207" y="987"/>
-                </a:moveTo>
-                <a:lnTo>
-                  <a:pt x="0" y="1114"/>
-                </a:lnTo>
-                <a:lnTo>
-                  <a:pt x="0" y="127"/>
-                </a:lnTo>
-                <a:lnTo>
-                  <a:pt x="207" y="0"/>
-                </a:lnTo>
-                <a:lnTo>
-                  <a:pt x="207" y="987"/>
-                </a:lnTo>
-                <a:close/>
-              </a:path>
-            </a:pathLst>
-          </a:custGeom>
-          <a:solidFill>
-            <a:schemeClr val="accent1">
-              <a:lumMod val="50000"/>
-            </a:schemeClr>
-          </a:solidFill>
-          <a:ln>
-            <a:noFill/>
-          </a:ln>
-        </p:spPr>
-        <p:txBody>
-          <a:bodyPr vert="horz" wrap="square" lIns="91440" tIns="45720" rIns="91440" bIns="45720" numCol="1" anchor="t" anchorCtr="0" compatLnSpc="1">
-            <a:prstTxWarp prst="textNoShape">
-              <a:avLst/>
-            </a:prstTxWarp>
-          </a:bodyPr>
-          <a:lstStyle/>
-          <a:p>
-            <a:endParaRPr lang="en-US"/>
-          </a:p>
-        </p:txBody>
-      </p:sp>
-      <p:sp>
-        <p:nvSpPr>
-          <p:cNvPr id="31" name="Rectangle 30">
-            <a:extLst>
-              <a:ext uri="{FF2B5EF4-FFF2-40B4-BE49-F238E27FC236}">
-                <a16:creationId xmlns:a16="http://schemas.microsoft.com/office/drawing/2014/main" id="{14E91B64-9FCC-451E-AFB4-A827D6329367}"/>
-              </a:ext>
-              <a:ext uri="{C183D7F6-B498-43B3-948B-1728B52AA6E4}">
-                <adec:decorative xmlns:adec="http://schemas.microsoft.com/office/drawing/2017/decorative" val="1"/>
-              </a:ext>
-            </a:extLst>
-          </p:cNvPr>
-          <p:cNvSpPr>
-            <a:spLocks noGrp="1" noRot="1" noChangeAspect="1" noMove="1" noResize="1" noEditPoints="1" noAdjustHandles="1" noChangeArrowheads="1" noChangeShapeType="1" noTextEdit="1"/>
-          </p:cNvSpPr>
-          <p:nvPr>
-            <p:extLst>
-              <p:ext uri="{386F3935-93C4-4BCD-93E2-E3B085C9AB24}">
-                <p16:designElem xmlns:p16="http://schemas.microsoft.com/office/powerpoint/2015/main" val="1"/>
-              </p:ext>
-            </p:extLst>
-          </p:nvPr>
-        </p:nvSpPr>
-        <p:spPr bwMode="auto">
-          <a:xfrm>
-            <a:off x="644055" y="635715"/>
-            <a:ext cx="10907863" cy="1541457"/>
-          </a:xfrm>
-          <a:prstGeom prst="rect">
-            <a:avLst/>
-          </a:prstGeom>
-          <a:solidFill>
+        <p:style>
+          <a:lnRef idx="1">
             <a:schemeClr val="accent1"/>
-          </a:solidFill>
-          <a:ln>
-            <a:noFill/>
-          </a:ln>
-        </p:spPr>
-        <p:txBody>
-          <a:bodyPr vert="horz" wrap="square" lIns="91440" tIns="45720" rIns="91440" bIns="45720" numCol="1" anchor="t" anchorCtr="0" compatLnSpc="1">
-            <a:prstTxWarp prst="textNoShape">
-              <a:avLst/>
-            </a:prstTxWarp>
-          </a:bodyPr>
-          <a:lstStyle/>
-          <a:p>
-            <a:endParaRPr lang="en-US"/>
-          </a:p>
-        </p:txBody>
-      </p:sp>
-      <p:sp>
-        <p:nvSpPr>
-          <p:cNvPr id="2" name="Title 1">
-            <a:extLst>
-              <a:ext uri="{FF2B5EF4-FFF2-40B4-BE49-F238E27FC236}">
-                <a16:creationId xmlns:a16="http://schemas.microsoft.com/office/drawing/2014/main" id="{AA97CF9D-4D09-084E-8CE6-3DDE4AEB9B11}"/>
-              </a:ext>
-            </a:extLst>
-          </p:cNvPr>
-          <p:cNvSpPr>
-            <a:spLocks noGrp="1"/>
-          </p:cNvSpPr>
-          <p:nvPr>
-            <p:ph type="title"/>
+          </a:lnRef>
+          <a:fillRef idx="0">
+            <a:schemeClr val="accent1"/>
+          </a:fillRef>
+          <a:effectRef idx="0">
+            <a:schemeClr val="accent1"/>
+          </a:effectRef>
+          <a:fontRef idx="minor">
+            <a:schemeClr val="tx1"/>
+          </a:fontRef>
+        </p:style>
+        <p:txBody>
+          <a:bodyPr rtlCol="0" anchor="ctr"/>
+          <a:lstStyle/>
+          <a:p>
+            <a:pPr algn="ctr"/>
+            <a:endParaRPr lang="en-US" dirty="0"/>
+          </a:p>
+        </p:txBody>
+      </p:sp>
+      <p:sp>
+        <p:nvSpPr>
+          <p:cNvPr id="16" name="Content Placeholder 2">
+            <a:extLst>
+              <a:ext uri="{FF2B5EF4-FFF2-40B4-BE49-F238E27FC236}">
+                <a16:creationId xmlns:a16="http://schemas.microsoft.com/office/drawing/2014/main" id="{4D58AB5E-1C06-534C-8049-2B8868AE9354}"/>
+              </a:ext>
+            </a:extLst>
+          </p:cNvPr>
+          <p:cNvSpPr>
+            <a:spLocks noGrp="1"/>
+          </p:cNvSpPr>
+          <p:nvPr>
+            <p:ph idx="1"/>
           </p:nvPr>
         </p:nvSpPr>
         <p:spPr>
           <a:xfrm>
-            <a:off x="958506" y="800392"/>
-            <a:ext cx="10264697" cy="1212102"/>
-          </a:xfrm>
-        </p:spPr>
-        <p:txBody>
-          <a:bodyPr>
-            <a:normAutofit/>
-          </a:bodyPr>
-          <a:lstStyle/>
-          <a:p>
-            <a:r>
-              <a:rPr lang="en-US" sz="4000">
-                <a:solidFill>
-                  <a:srgbClr val="FFFFFF"/>
-                </a:solidFill>
-              </a:rPr>
-              <a:t>Hypothetical Background and Problem Statement</a:t>
-            </a:r>
-          </a:p>
-        </p:txBody>
-      </p:sp>
-      <p:sp>
-        <p:nvSpPr>
-          <p:cNvPr id="16" name="Content Placeholder 2">
-            <a:extLst>
-              <a:ext uri="{FF2B5EF4-FFF2-40B4-BE49-F238E27FC236}">
-                <a16:creationId xmlns:a16="http://schemas.microsoft.com/office/drawing/2014/main" id="{4D58AB5E-1C06-534C-8049-2B8868AE9354}"/>
-              </a:ext>
-            </a:extLst>
-          </p:cNvPr>
-          <p:cNvSpPr>
-            <a:spLocks noGrp="1"/>
-          </p:cNvSpPr>
-          <p:nvPr>
-            <p:ph idx="1"/>
-          </p:nvPr>
-        </p:nvSpPr>
-        <p:spPr>
-          <a:xfrm>
-            <a:off x="1367624" y="2490436"/>
-            <a:ext cx="9708995" cy="3567173"/>
+            <a:off x="4447308" y="591344"/>
+            <a:ext cx="6906491" cy="5585619"/>
           </a:xfrm>
         </p:spPr>
         <p:txBody>
@@ -5647,20 +5265,18 @@
           <a:lstStyle/>
           <a:p>
             <a:r>
-              <a:rPr lang="en-US" sz="2400" dirty="0"/>
-              <a:t>We are a student advocacy group looking for donors to give us a $100,000 grant to investigate if standardized tests are discriminatory. Particularly, the study hopes to find out if Blacks and other minorities from comparable socioeconomic backgrounds score lower than their White peers.</a:t>
-            </a:r>
-            <a:endParaRPr lang="en-US" sz="2400"/>
-          </a:p>
-          <a:p>
-            <a:endParaRPr lang="en-US" sz="2400"/>
-          </a:p>
-          <a:p>
-            <a:r>
-              <a:rPr lang="en-US" sz="2400" dirty="0"/>
-              <a:t>Using some basic data from publicly-available sources, we hope to show some negative relationships between ACT/SAT results and minority races in order to pique donor interest in funding our in-depth study.</a:t>
-            </a:r>
-            <a:endParaRPr lang="en-US" sz="2400"/>
+              <a:rPr lang="en-US" sz="2600" dirty="0"/>
+              <a:t>We are a student advocacy group looking for donors to give us grant money to investigate if standardized tests are discriminatory. Our long-term goal is to find out if Blacks and other minorities from comparable socioeconomic backgrounds score lower than their White peers.</a:t>
+            </a:r>
+          </a:p>
+          <a:p>
+            <a:endParaRPr lang="en-US" sz="2600" dirty="0"/>
+          </a:p>
+          <a:p>
+            <a:r>
+              <a:rPr lang="en-US" sz="2600" dirty="0"/>
+              <a:t>Using some publicly-available data and EDA, we hope to show hints of negative relationships between ACT/SAT results and minority races, so that we can pique donor interest to fund our long-term study.</a:t>
+            </a:r>
           </a:p>
         </p:txBody>
       </p:sp>
@@ -7155,8 +6771,8 @@
         </p:nvSpPr>
         <p:spPr>
           <a:xfrm>
-            <a:off x="7160077" y="2026555"/>
-            <a:ext cx="4425043" cy="2677656"/>
+            <a:off x="7047139" y="2026555"/>
+            <a:ext cx="4537982" cy="2677656"/>
           </a:xfrm>
           <a:prstGeom prst="rect">
             <a:avLst/>
@@ -7253,8 +6869,8 @@
         </p:nvSpPr>
         <p:spPr>
           <a:xfrm>
-            <a:off x="5551210" y="4529857"/>
-            <a:ext cx="6233606" cy="1938992"/>
+            <a:off x="7047138" y="4529857"/>
+            <a:ext cx="4737678" cy="1938992"/>
           </a:xfrm>
           <a:prstGeom prst="rect">
             <a:avLst/>
@@ -7272,23 +6888,23 @@
             </a:r>
           </a:p>
           <a:p>
-            <a:pPr marL="742950" lvl="1" indent="-285750">
+            <a:pPr marL="285750" indent="-285750">
               <a:buFont typeface="Arial" panose="020B0604020202020204" pitchFamily="34" charset="0"/>
               <a:buChar char="•"/>
             </a:pPr>
             <a:r>
               <a:rPr lang="en-US" sz="2400" dirty="0"/>
-              <a:t>“Whiter” states tend to have lower household income!</a:t>
-            </a:r>
-          </a:p>
-          <a:p>
-            <a:pPr marL="742950" lvl="1" indent="-285750">
+              <a:t>“Whiter” states tend to have lower household income..!</a:t>
+            </a:r>
+          </a:p>
+          <a:p>
+            <a:pPr marL="285750" indent="-285750">
               <a:buFont typeface="Arial" panose="020B0604020202020204" pitchFamily="34" charset="0"/>
               <a:buChar char="•"/>
             </a:pPr>
             <a:r>
               <a:rPr lang="en-US" sz="2400" dirty="0"/>
-              <a:t>“Hispanic” and “Asian” states have higher household income!!</a:t>
+              <a:t>“Hispanic” and “Asian” states have higher household income!!!</a:t>
             </a:r>
           </a:p>
         </p:txBody>
@@ -7558,7 +7174,7 @@
             </a:pPr>
             <a:r>
               <a:rPr lang="en-US" sz="2400" dirty="0"/>
-              <a:t>We see that higher income does not predict (or correlate) with higher test scores, otherwise both charts would have upward sloping lines. </a:t>
+              <a:t>We see that higher income does not predict (or correlate) with higher test scores… otherwise both charts would have upward sloping lines. </a:t>
             </a:r>
           </a:p>
           <a:p>
